--- a/2020 Week 34 - Sexual and Reproductive Health Rights/Annotation layer.pptx
+++ b/2020 Week 34 - Sexual and Reproductive Health Rights/Annotation layer.pptx
@@ -2,13 +2,14 @@
 <file path=ppt/presentation.xml><?xml version="1.0" encoding="utf-8"?>
 <p:presentation xmlns:a="http://schemas.openxmlformats.org/drawingml/2006/main" xmlns:r="http://schemas.openxmlformats.org/officeDocument/2006/relationships" xmlns:p="http://schemas.openxmlformats.org/presentationml/2006/main" saveSubsetFonts="1" autoCompressPictures="0">
   <p:sldMasterIdLst>
-    <p:sldMasterId id="2147483660" r:id="rId1"/>
+    <p:sldMasterId id="2147483720" r:id="rId1"/>
   </p:sldMasterIdLst>
   <p:sldIdLst>
     <p:sldId id="256" r:id="rId2"/>
     <p:sldId id="257" r:id="rId3"/>
+    <p:sldId id="258" r:id="rId4"/>
   </p:sldIdLst>
-  <p:sldSz cx="9144000" cy="6858000" type="letter"/>
+  <p:sldSz cx="7772400" cy="9144000"/>
   <p:notesSz cx="6858000" cy="9144000"/>
   <p:defaultTextStyle>
     <a:defPPr>
@@ -105,6 +106,11 @@
       </a:defRPr>
     </a:lvl9pPr>
   </p:defaultTextStyle>
+  <p:extLst>
+    <p:ext uri="{EFAFB233-063F-42B5-8137-9DF3F51BA10A}">
+      <p15:sldGuideLst xmlns:p15="http://schemas.microsoft.com/office/powerpoint/2012/main"/>
+    </p:ext>
+  </p:extLst>
 </p:presentation>
 </file>
 
@@ -137,15 +143,15 @@
         </p:nvSpPr>
         <p:spPr>
           <a:xfrm>
-            <a:off x="685800" y="1122363"/>
-            <a:ext cx="7772400" cy="2387600"/>
+            <a:off x="582930" y="1496484"/>
+            <a:ext cx="6606540" cy="3183467"/>
           </a:xfrm>
         </p:spPr>
         <p:txBody>
           <a:bodyPr anchor="b"/>
           <a:lstStyle>
             <a:lvl1pPr algn="ctr">
-              <a:defRPr sz="6000"/>
+              <a:defRPr sz="5100"/>
             </a:lvl1pPr>
           </a:lstStyle>
           <a:p>
@@ -169,8 +175,8 @@
         </p:nvSpPr>
         <p:spPr>
           <a:xfrm>
-            <a:off x="1143000" y="3602038"/>
-            <a:ext cx="6858000" cy="1655762"/>
+            <a:off x="971550" y="4802717"/>
+            <a:ext cx="5829300" cy="2207683"/>
           </a:xfrm>
         </p:spPr>
         <p:txBody>
@@ -178,39 +184,39 @@
           <a:lstStyle>
             <a:lvl1pPr marL="0" indent="0" algn="ctr">
               <a:buNone/>
-              <a:defRPr sz="2400"/>
+              <a:defRPr sz="2040"/>
             </a:lvl1pPr>
-            <a:lvl2pPr marL="457200" indent="0" algn="ctr">
-              <a:buNone/>
-              <a:defRPr sz="2000"/>
+            <a:lvl2pPr marL="388620" indent="0" algn="ctr">
+              <a:buNone/>
+              <a:defRPr sz="1700"/>
             </a:lvl2pPr>
-            <a:lvl3pPr marL="914400" indent="0" algn="ctr">
-              <a:buNone/>
-              <a:defRPr sz="1800"/>
+            <a:lvl3pPr marL="777240" indent="0" algn="ctr">
+              <a:buNone/>
+              <a:defRPr sz="1530"/>
             </a:lvl3pPr>
-            <a:lvl4pPr marL="1371600" indent="0" algn="ctr">
-              <a:buNone/>
-              <a:defRPr sz="1600"/>
+            <a:lvl4pPr marL="1165860" indent="0" algn="ctr">
+              <a:buNone/>
+              <a:defRPr sz="1360"/>
             </a:lvl4pPr>
-            <a:lvl5pPr marL="1828800" indent="0" algn="ctr">
-              <a:buNone/>
-              <a:defRPr sz="1600"/>
+            <a:lvl5pPr marL="1554480" indent="0" algn="ctr">
+              <a:buNone/>
+              <a:defRPr sz="1360"/>
             </a:lvl5pPr>
-            <a:lvl6pPr marL="2286000" indent="0" algn="ctr">
-              <a:buNone/>
-              <a:defRPr sz="1600"/>
+            <a:lvl6pPr marL="1943100" indent="0" algn="ctr">
+              <a:buNone/>
+              <a:defRPr sz="1360"/>
             </a:lvl6pPr>
-            <a:lvl7pPr marL="2743200" indent="0" algn="ctr">
-              <a:buNone/>
-              <a:defRPr sz="1600"/>
+            <a:lvl7pPr marL="2331720" indent="0" algn="ctr">
+              <a:buNone/>
+              <a:defRPr sz="1360"/>
             </a:lvl7pPr>
-            <a:lvl8pPr marL="3200400" indent="0" algn="ctr">
-              <a:buNone/>
-              <a:defRPr sz="1600"/>
+            <a:lvl8pPr marL="2720340" indent="0" algn="ctr">
+              <a:buNone/>
+              <a:defRPr sz="1360"/>
             </a:lvl8pPr>
-            <a:lvl9pPr marL="3657600" indent="0" algn="ctr">
-              <a:buNone/>
-              <a:defRPr sz="1600"/>
+            <a:lvl9pPr marL="3108960" indent="0" algn="ctr">
+              <a:buNone/>
+              <a:defRPr sz="1360"/>
             </a:lvl9pPr>
           </a:lstStyle>
           <a:p>
@@ -239,7 +245,7 @@
           <a:p>
             <a:fld id="{B402E754-5122-204E-A4B6-A88246939875}" type="datetimeFigureOut">
               <a:rPr lang="en-US" smtClean="0"/>
-              <a:t>8/24/20</a:t>
+              <a:t>8/25/20</a:t>
             </a:fld>
             <a:endParaRPr lang="en-US"/>
           </a:p>
@@ -290,7 +296,7 @@
     </p:spTree>
     <p:extLst>
       <p:ext uri="{BB962C8B-B14F-4D97-AF65-F5344CB8AC3E}">
-        <p14:creationId xmlns:p14="http://schemas.microsoft.com/office/powerpoint/2010/main" val="1037784813"/>
+        <p14:creationId xmlns:p14="http://schemas.microsoft.com/office/powerpoint/2010/main" val="309544006"/>
       </p:ext>
     </p:extLst>
   </p:cSld>
@@ -409,7 +415,7 @@
           <a:p>
             <a:fld id="{B402E754-5122-204E-A4B6-A88246939875}" type="datetimeFigureOut">
               <a:rPr lang="en-US" smtClean="0"/>
-              <a:t>8/24/20</a:t>
+              <a:t>8/25/20</a:t>
             </a:fld>
             <a:endParaRPr lang="en-US"/>
           </a:p>
@@ -460,7 +466,7 @@
     </p:spTree>
     <p:extLst>
       <p:ext uri="{BB962C8B-B14F-4D97-AF65-F5344CB8AC3E}">
-        <p14:creationId xmlns:p14="http://schemas.microsoft.com/office/powerpoint/2010/main" val="3802273388"/>
+        <p14:creationId xmlns:p14="http://schemas.microsoft.com/office/powerpoint/2010/main" val="3384551748"/>
       </p:ext>
     </p:extLst>
   </p:cSld>
@@ -499,8 +505,8 @@
         </p:nvSpPr>
         <p:spPr>
           <a:xfrm>
-            <a:off x="6543675" y="365125"/>
-            <a:ext cx="1971675" cy="5811838"/>
+            <a:off x="5562124" y="486834"/>
+            <a:ext cx="1675924" cy="7749117"/>
           </a:xfrm>
         </p:spPr>
         <p:txBody>
@@ -527,8 +533,8 @@
         </p:nvSpPr>
         <p:spPr>
           <a:xfrm>
-            <a:off x="628650" y="365125"/>
-            <a:ext cx="5800725" cy="5811838"/>
+            <a:off x="534353" y="486834"/>
+            <a:ext cx="4930616" cy="7749117"/>
           </a:xfrm>
         </p:spPr>
         <p:txBody>
@@ -589,7 +595,7 @@
           <a:p>
             <a:fld id="{B402E754-5122-204E-A4B6-A88246939875}" type="datetimeFigureOut">
               <a:rPr lang="en-US" smtClean="0"/>
-              <a:t>8/24/20</a:t>
+              <a:t>8/25/20</a:t>
             </a:fld>
             <a:endParaRPr lang="en-US"/>
           </a:p>
@@ -640,7 +646,7 @@
     </p:spTree>
     <p:extLst>
       <p:ext uri="{BB962C8B-B14F-4D97-AF65-F5344CB8AC3E}">
-        <p14:creationId xmlns:p14="http://schemas.microsoft.com/office/powerpoint/2010/main" val="1946614094"/>
+        <p14:creationId xmlns:p14="http://schemas.microsoft.com/office/powerpoint/2010/main" val="1663116498"/>
       </p:ext>
     </p:extLst>
   </p:cSld>
@@ -759,7 +765,7 @@
           <a:p>
             <a:fld id="{B402E754-5122-204E-A4B6-A88246939875}" type="datetimeFigureOut">
               <a:rPr lang="en-US" smtClean="0"/>
-              <a:t>8/24/20</a:t>
+              <a:t>8/25/20</a:t>
             </a:fld>
             <a:endParaRPr lang="en-US"/>
           </a:p>
@@ -810,7 +816,7 @@
     </p:spTree>
     <p:extLst>
       <p:ext uri="{BB962C8B-B14F-4D97-AF65-F5344CB8AC3E}">
-        <p14:creationId xmlns:p14="http://schemas.microsoft.com/office/powerpoint/2010/main" val="3699396697"/>
+        <p14:creationId xmlns:p14="http://schemas.microsoft.com/office/powerpoint/2010/main" val="2067656717"/>
       </p:ext>
     </p:extLst>
   </p:cSld>
@@ -849,15 +855,15 @@
         </p:nvSpPr>
         <p:spPr>
           <a:xfrm>
-            <a:off x="623888" y="1709739"/>
-            <a:ext cx="7886700" cy="2852737"/>
+            <a:off x="530305" y="2279653"/>
+            <a:ext cx="6703695" cy="3803649"/>
           </a:xfrm>
         </p:spPr>
         <p:txBody>
           <a:bodyPr anchor="b"/>
           <a:lstStyle>
             <a:lvl1pPr>
-              <a:defRPr sz="6000"/>
+              <a:defRPr sz="5100"/>
             </a:lvl1pPr>
           </a:lstStyle>
           <a:p>
@@ -881,8 +887,8 @@
         </p:nvSpPr>
         <p:spPr>
           <a:xfrm>
-            <a:off x="623888" y="4589464"/>
-            <a:ext cx="7886700" cy="1500187"/>
+            <a:off x="530305" y="6119286"/>
+            <a:ext cx="6703695" cy="2000249"/>
           </a:xfrm>
         </p:spPr>
         <p:txBody>
@@ -890,15 +896,15 @@
           <a:lstStyle>
             <a:lvl1pPr marL="0" indent="0">
               <a:buNone/>
-              <a:defRPr sz="2400">
+              <a:defRPr sz="2040">
                 <a:solidFill>
                   <a:schemeClr val="tx1"/>
                 </a:solidFill>
               </a:defRPr>
             </a:lvl1pPr>
-            <a:lvl2pPr marL="457200" indent="0">
-              <a:buNone/>
-              <a:defRPr sz="2000">
+            <a:lvl2pPr marL="388620" indent="0">
+              <a:buNone/>
+              <a:defRPr sz="1700">
                 <a:solidFill>
                   <a:schemeClr val="tx1">
                     <a:tint val="75000"/>
@@ -906,9 +912,9 @@
                 </a:solidFill>
               </a:defRPr>
             </a:lvl2pPr>
-            <a:lvl3pPr marL="914400" indent="0">
-              <a:buNone/>
-              <a:defRPr sz="1800">
+            <a:lvl3pPr marL="777240" indent="0">
+              <a:buNone/>
+              <a:defRPr sz="1530">
                 <a:solidFill>
                   <a:schemeClr val="tx1">
                     <a:tint val="75000"/>
@@ -916,9 +922,9 @@
                 </a:solidFill>
               </a:defRPr>
             </a:lvl3pPr>
-            <a:lvl4pPr marL="1371600" indent="0">
-              <a:buNone/>
-              <a:defRPr sz="1600">
+            <a:lvl4pPr marL="1165860" indent="0">
+              <a:buNone/>
+              <a:defRPr sz="1360">
                 <a:solidFill>
                   <a:schemeClr val="tx1">
                     <a:tint val="75000"/>
@@ -926,9 +932,9 @@
                 </a:solidFill>
               </a:defRPr>
             </a:lvl4pPr>
-            <a:lvl5pPr marL="1828800" indent="0">
-              <a:buNone/>
-              <a:defRPr sz="1600">
+            <a:lvl5pPr marL="1554480" indent="0">
+              <a:buNone/>
+              <a:defRPr sz="1360">
                 <a:solidFill>
                   <a:schemeClr val="tx1">
                     <a:tint val="75000"/>
@@ -936,9 +942,9 @@
                 </a:solidFill>
               </a:defRPr>
             </a:lvl5pPr>
-            <a:lvl6pPr marL="2286000" indent="0">
-              <a:buNone/>
-              <a:defRPr sz="1600">
+            <a:lvl6pPr marL="1943100" indent="0">
+              <a:buNone/>
+              <a:defRPr sz="1360">
                 <a:solidFill>
                   <a:schemeClr val="tx1">
                     <a:tint val="75000"/>
@@ -946,9 +952,9 @@
                 </a:solidFill>
               </a:defRPr>
             </a:lvl6pPr>
-            <a:lvl7pPr marL="2743200" indent="0">
-              <a:buNone/>
-              <a:defRPr sz="1600">
+            <a:lvl7pPr marL="2331720" indent="0">
+              <a:buNone/>
+              <a:defRPr sz="1360">
                 <a:solidFill>
                   <a:schemeClr val="tx1">
                     <a:tint val="75000"/>
@@ -956,9 +962,9 @@
                 </a:solidFill>
               </a:defRPr>
             </a:lvl7pPr>
-            <a:lvl8pPr marL="3200400" indent="0">
-              <a:buNone/>
-              <a:defRPr sz="1600">
+            <a:lvl8pPr marL="2720340" indent="0">
+              <a:buNone/>
+              <a:defRPr sz="1360">
                 <a:solidFill>
                   <a:schemeClr val="tx1">
                     <a:tint val="75000"/>
@@ -966,9 +972,9 @@
                 </a:solidFill>
               </a:defRPr>
             </a:lvl8pPr>
-            <a:lvl9pPr marL="3657600" indent="0">
-              <a:buNone/>
-              <a:defRPr sz="1600">
+            <a:lvl9pPr marL="3108960" indent="0">
+              <a:buNone/>
+              <a:defRPr sz="1360">
                 <a:solidFill>
                   <a:schemeClr val="tx1">
                     <a:tint val="75000"/>
@@ -1003,7 +1009,7 @@
           <a:p>
             <a:fld id="{B402E754-5122-204E-A4B6-A88246939875}" type="datetimeFigureOut">
               <a:rPr lang="en-US" smtClean="0"/>
-              <a:t>8/24/20</a:t>
+              <a:t>8/25/20</a:t>
             </a:fld>
             <a:endParaRPr lang="en-US"/>
           </a:p>
@@ -1054,7 +1060,7 @@
     </p:spTree>
     <p:extLst>
       <p:ext uri="{BB962C8B-B14F-4D97-AF65-F5344CB8AC3E}">
-        <p14:creationId xmlns:p14="http://schemas.microsoft.com/office/powerpoint/2010/main" val="1522142301"/>
+        <p14:creationId xmlns:p14="http://schemas.microsoft.com/office/powerpoint/2010/main" val="2298556730"/>
       </p:ext>
     </p:extLst>
   </p:cSld>
@@ -1116,8 +1122,8 @@
         </p:nvSpPr>
         <p:spPr>
           <a:xfrm>
-            <a:off x="628650" y="1825625"/>
-            <a:ext cx="3886200" cy="4351338"/>
+            <a:off x="534353" y="2434167"/>
+            <a:ext cx="3303270" cy="5801784"/>
           </a:xfrm>
         </p:spPr>
         <p:txBody>
@@ -1173,8 +1179,8 @@
         </p:nvSpPr>
         <p:spPr>
           <a:xfrm>
-            <a:off x="4629150" y="1825625"/>
-            <a:ext cx="3886200" cy="4351338"/>
+            <a:off x="3934778" y="2434167"/>
+            <a:ext cx="3303270" cy="5801784"/>
           </a:xfrm>
         </p:spPr>
         <p:txBody>
@@ -1235,7 +1241,7 @@
           <a:p>
             <a:fld id="{B402E754-5122-204E-A4B6-A88246939875}" type="datetimeFigureOut">
               <a:rPr lang="en-US" smtClean="0"/>
-              <a:t>8/24/20</a:t>
+              <a:t>8/25/20</a:t>
             </a:fld>
             <a:endParaRPr lang="en-US"/>
           </a:p>
@@ -1286,7 +1292,7 @@
     </p:spTree>
     <p:extLst>
       <p:ext uri="{BB962C8B-B14F-4D97-AF65-F5344CB8AC3E}">
-        <p14:creationId xmlns:p14="http://schemas.microsoft.com/office/powerpoint/2010/main" val="229951259"/>
+        <p14:creationId xmlns:p14="http://schemas.microsoft.com/office/powerpoint/2010/main" val="308631687"/>
       </p:ext>
     </p:extLst>
   </p:cSld>
@@ -1325,8 +1331,8 @@
         </p:nvSpPr>
         <p:spPr>
           <a:xfrm>
-            <a:off x="629841" y="365126"/>
-            <a:ext cx="7886700" cy="1325563"/>
+            <a:off x="535365" y="486836"/>
+            <a:ext cx="6703695" cy="1767417"/>
           </a:xfrm>
         </p:spPr>
         <p:txBody>
@@ -1353,8 +1359,8 @@
         </p:nvSpPr>
         <p:spPr>
           <a:xfrm>
-            <a:off x="629842" y="1681163"/>
-            <a:ext cx="3868340" cy="823912"/>
+            <a:off x="535366" y="2241551"/>
+            <a:ext cx="3288089" cy="1098549"/>
           </a:xfrm>
         </p:spPr>
         <p:txBody>
@@ -1362,39 +1368,39 @@
           <a:lstStyle>
             <a:lvl1pPr marL="0" indent="0">
               <a:buNone/>
-              <a:defRPr sz="2400" b="1"/>
+              <a:defRPr sz="2040" b="1"/>
             </a:lvl1pPr>
-            <a:lvl2pPr marL="457200" indent="0">
-              <a:buNone/>
-              <a:defRPr sz="2000" b="1"/>
+            <a:lvl2pPr marL="388620" indent="0">
+              <a:buNone/>
+              <a:defRPr sz="1700" b="1"/>
             </a:lvl2pPr>
-            <a:lvl3pPr marL="914400" indent="0">
-              <a:buNone/>
-              <a:defRPr sz="1800" b="1"/>
+            <a:lvl3pPr marL="777240" indent="0">
+              <a:buNone/>
+              <a:defRPr sz="1530" b="1"/>
             </a:lvl3pPr>
-            <a:lvl4pPr marL="1371600" indent="0">
-              <a:buNone/>
-              <a:defRPr sz="1600" b="1"/>
+            <a:lvl4pPr marL="1165860" indent="0">
+              <a:buNone/>
+              <a:defRPr sz="1360" b="1"/>
             </a:lvl4pPr>
-            <a:lvl5pPr marL="1828800" indent="0">
-              <a:buNone/>
-              <a:defRPr sz="1600" b="1"/>
+            <a:lvl5pPr marL="1554480" indent="0">
+              <a:buNone/>
+              <a:defRPr sz="1360" b="1"/>
             </a:lvl5pPr>
-            <a:lvl6pPr marL="2286000" indent="0">
-              <a:buNone/>
-              <a:defRPr sz="1600" b="1"/>
+            <a:lvl6pPr marL="1943100" indent="0">
+              <a:buNone/>
+              <a:defRPr sz="1360" b="1"/>
             </a:lvl6pPr>
-            <a:lvl7pPr marL="2743200" indent="0">
-              <a:buNone/>
-              <a:defRPr sz="1600" b="1"/>
+            <a:lvl7pPr marL="2331720" indent="0">
+              <a:buNone/>
+              <a:defRPr sz="1360" b="1"/>
             </a:lvl7pPr>
-            <a:lvl8pPr marL="3200400" indent="0">
-              <a:buNone/>
-              <a:defRPr sz="1600" b="1"/>
+            <a:lvl8pPr marL="2720340" indent="0">
+              <a:buNone/>
+              <a:defRPr sz="1360" b="1"/>
             </a:lvl8pPr>
-            <a:lvl9pPr marL="3657600" indent="0">
-              <a:buNone/>
-              <a:defRPr sz="1600" b="1"/>
+            <a:lvl9pPr marL="3108960" indent="0">
+              <a:buNone/>
+              <a:defRPr sz="1360" b="1"/>
             </a:lvl9pPr>
           </a:lstStyle>
           <a:p>
@@ -1418,8 +1424,8 @@
         </p:nvSpPr>
         <p:spPr>
           <a:xfrm>
-            <a:off x="629842" y="2505075"/>
-            <a:ext cx="3868340" cy="3684588"/>
+            <a:off x="535366" y="3340100"/>
+            <a:ext cx="3288089" cy="4912784"/>
           </a:xfrm>
         </p:spPr>
         <p:txBody>
@@ -1475,8 +1481,8 @@
         </p:nvSpPr>
         <p:spPr>
           <a:xfrm>
-            <a:off x="4629150" y="1681163"/>
-            <a:ext cx="3887391" cy="823912"/>
+            <a:off x="3934778" y="2241551"/>
+            <a:ext cx="3304282" cy="1098549"/>
           </a:xfrm>
         </p:spPr>
         <p:txBody>
@@ -1484,39 +1490,39 @@
           <a:lstStyle>
             <a:lvl1pPr marL="0" indent="0">
               <a:buNone/>
-              <a:defRPr sz="2400" b="1"/>
+              <a:defRPr sz="2040" b="1"/>
             </a:lvl1pPr>
-            <a:lvl2pPr marL="457200" indent="0">
-              <a:buNone/>
-              <a:defRPr sz="2000" b="1"/>
+            <a:lvl2pPr marL="388620" indent="0">
+              <a:buNone/>
+              <a:defRPr sz="1700" b="1"/>
             </a:lvl2pPr>
-            <a:lvl3pPr marL="914400" indent="0">
-              <a:buNone/>
-              <a:defRPr sz="1800" b="1"/>
+            <a:lvl3pPr marL="777240" indent="0">
+              <a:buNone/>
+              <a:defRPr sz="1530" b="1"/>
             </a:lvl3pPr>
-            <a:lvl4pPr marL="1371600" indent="0">
-              <a:buNone/>
-              <a:defRPr sz="1600" b="1"/>
+            <a:lvl4pPr marL="1165860" indent="0">
+              <a:buNone/>
+              <a:defRPr sz="1360" b="1"/>
             </a:lvl4pPr>
-            <a:lvl5pPr marL="1828800" indent="0">
-              <a:buNone/>
-              <a:defRPr sz="1600" b="1"/>
+            <a:lvl5pPr marL="1554480" indent="0">
+              <a:buNone/>
+              <a:defRPr sz="1360" b="1"/>
             </a:lvl5pPr>
-            <a:lvl6pPr marL="2286000" indent="0">
-              <a:buNone/>
-              <a:defRPr sz="1600" b="1"/>
+            <a:lvl6pPr marL="1943100" indent="0">
+              <a:buNone/>
+              <a:defRPr sz="1360" b="1"/>
             </a:lvl6pPr>
-            <a:lvl7pPr marL="2743200" indent="0">
-              <a:buNone/>
-              <a:defRPr sz="1600" b="1"/>
+            <a:lvl7pPr marL="2331720" indent="0">
+              <a:buNone/>
+              <a:defRPr sz="1360" b="1"/>
             </a:lvl7pPr>
-            <a:lvl8pPr marL="3200400" indent="0">
-              <a:buNone/>
-              <a:defRPr sz="1600" b="1"/>
+            <a:lvl8pPr marL="2720340" indent="0">
+              <a:buNone/>
+              <a:defRPr sz="1360" b="1"/>
             </a:lvl8pPr>
-            <a:lvl9pPr marL="3657600" indent="0">
-              <a:buNone/>
-              <a:defRPr sz="1600" b="1"/>
+            <a:lvl9pPr marL="3108960" indent="0">
+              <a:buNone/>
+              <a:defRPr sz="1360" b="1"/>
             </a:lvl9pPr>
           </a:lstStyle>
           <a:p>
@@ -1540,8 +1546,8 @@
         </p:nvSpPr>
         <p:spPr>
           <a:xfrm>
-            <a:off x="4629150" y="2505075"/>
-            <a:ext cx="3887391" cy="3684588"/>
+            <a:off x="3934778" y="3340100"/>
+            <a:ext cx="3304282" cy="4912784"/>
           </a:xfrm>
         </p:spPr>
         <p:txBody>
@@ -1602,7 +1608,7 @@
           <a:p>
             <a:fld id="{B402E754-5122-204E-A4B6-A88246939875}" type="datetimeFigureOut">
               <a:rPr lang="en-US" smtClean="0"/>
-              <a:t>8/24/20</a:t>
+              <a:t>8/25/20</a:t>
             </a:fld>
             <a:endParaRPr lang="en-US"/>
           </a:p>
@@ -1653,7 +1659,7 @@
     </p:spTree>
     <p:extLst>
       <p:ext uri="{BB962C8B-B14F-4D97-AF65-F5344CB8AC3E}">
-        <p14:creationId xmlns:p14="http://schemas.microsoft.com/office/powerpoint/2010/main" val="1674673768"/>
+        <p14:creationId xmlns:p14="http://schemas.microsoft.com/office/powerpoint/2010/main" val="2636455234"/>
       </p:ext>
     </p:extLst>
   </p:cSld>
@@ -1720,7 +1726,7 @@
           <a:p>
             <a:fld id="{B402E754-5122-204E-A4B6-A88246939875}" type="datetimeFigureOut">
               <a:rPr lang="en-US" smtClean="0"/>
-              <a:t>8/24/20</a:t>
+              <a:t>8/25/20</a:t>
             </a:fld>
             <a:endParaRPr lang="en-US"/>
           </a:p>
@@ -1771,7 +1777,7 @@
     </p:spTree>
     <p:extLst>
       <p:ext uri="{BB962C8B-B14F-4D97-AF65-F5344CB8AC3E}">
-        <p14:creationId xmlns:p14="http://schemas.microsoft.com/office/powerpoint/2010/main" val="1305793011"/>
+        <p14:creationId xmlns:p14="http://schemas.microsoft.com/office/powerpoint/2010/main" val="390650844"/>
       </p:ext>
     </p:extLst>
   </p:cSld>
@@ -1815,7 +1821,7 @@
           <a:p>
             <a:fld id="{B402E754-5122-204E-A4B6-A88246939875}" type="datetimeFigureOut">
               <a:rPr lang="en-US" smtClean="0"/>
-              <a:t>8/24/20</a:t>
+              <a:t>8/25/20</a:t>
             </a:fld>
             <a:endParaRPr lang="en-US"/>
           </a:p>
@@ -1866,7 +1872,7 @@
     </p:spTree>
     <p:extLst>
       <p:ext uri="{BB962C8B-B14F-4D97-AF65-F5344CB8AC3E}">
-        <p14:creationId xmlns:p14="http://schemas.microsoft.com/office/powerpoint/2010/main" val="3793420349"/>
+        <p14:creationId xmlns:p14="http://schemas.microsoft.com/office/powerpoint/2010/main" val="2962332047"/>
       </p:ext>
     </p:extLst>
   </p:cSld>
@@ -1905,15 +1911,15 @@
         </p:nvSpPr>
         <p:spPr>
           <a:xfrm>
-            <a:off x="629841" y="457200"/>
-            <a:ext cx="2949178" cy="1600200"/>
+            <a:off x="535365" y="609600"/>
+            <a:ext cx="2506801" cy="2133600"/>
           </a:xfrm>
         </p:spPr>
         <p:txBody>
           <a:bodyPr anchor="b"/>
           <a:lstStyle>
             <a:lvl1pPr>
-              <a:defRPr sz="3200"/>
+              <a:defRPr sz="2720"/>
             </a:lvl1pPr>
           </a:lstStyle>
           <a:p>
@@ -1937,39 +1943,39 @@
         </p:nvSpPr>
         <p:spPr>
           <a:xfrm>
-            <a:off x="3887391" y="987426"/>
-            <a:ext cx="4629150" cy="4873625"/>
+            <a:off x="3304282" y="1316569"/>
+            <a:ext cx="3934778" cy="6498167"/>
           </a:xfrm>
         </p:spPr>
         <p:txBody>
           <a:bodyPr/>
           <a:lstStyle>
             <a:lvl1pPr>
-              <a:defRPr sz="3200"/>
+              <a:defRPr sz="2720"/>
             </a:lvl1pPr>
             <a:lvl2pPr>
-              <a:defRPr sz="2800"/>
+              <a:defRPr sz="2380"/>
             </a:lvl2pPr>
             <a:lvl3pPr>
-              <a:defRPr sz="2400"/>
+              <a:defRPr sz="2040"/>
             </a:lvl3pPr>
             <a:lvl4pPr>
-              <a:defRPr sz="2000"/>
+              <a:defRPr sz="1700"/>
             </a:lvl4pPr>
             <a:lvl5pPr>
-              <a:defRPr sz="2000"/>
+              <a:defRPr sz="1700"/>
             </a:lvl5pPr>
             <a:lvl6pPr>
-              <a:defRPr sz="2000"/>
+              <a:defRPr sz="1700"/>
             </a:lvl6pPr>
             <a:lvl7pPr>
-              <a:defRPr sz="2000"/>
+              <a:defRPr sz="1700"/>
             </a:lvl7pPr>
             <a:lvl8pPr>
-              <a:defRPr sz="2000"/>
+              <a:defRPr sz="1700"/>
             </a:lvl8pPr>
             <a:lvl9pPr>
-              <a:defRPr sz="2000"/>
+              <a:defRPr sz="1700"/>
             </a:lvl9pPr>
           </a:lstStyle>
           <a:p>
@@ -2022,8 +2028,8 @@
         </p:nvSpPr>
         <p:spPr>
           <a:xfrm>
-            <a:off x="629841" y="2057400"/>
-            <a:ext cx="2949178" cy="3811588"/>
+            <a:off x="535365" y="2743200"/>
+            <a:ext cx="2506801" cy="5082117"/>
           </a:xfrm>
         </p:spPr>
         <p:txBody>
@@ -2031,39 +2037,39 @@
           <a:lstStyle>
             <a:lvl1pPr marL="0" indent="0">
               <a:buNone/>
-              <a:defRPr sz="1600"/>
+              <a:defRPr sz="1360"/>
             </a:lvl1pPr>
-            <a:lvl2pPr marL="457200" indent="0">
-              <a:buNone/>
-              <a:defRPr sz="1400"/>
+            <a:lvl2pPr marL="388620" indent="0">
+              <a:buNone/>
+              <a:defRPr sz="1190"/>
             </a:lvl2pPr>
-            <a:lvl3pPr marL="914400" indent="0">
-              <a:buNone/>
-              <a:defRPr sz="1200"/>
+            <a:lvl3pPr marL="777240" indent="0">
+              <a:buNone/>
+              <a:defRPr sz="1020"/>
             </a:lvl3pPr>
-            <a:lvl4pPr marL="1371600" indent="0">
-              <a:buNone/>
-              <a:defRPr sz="1000"/>
+            <a:lvl4pPr marL="1165860" indent="0">
+              <a:buNone/>
+              <a:defRPr sz="850"/>
             </a:lvl4pPr>
-            <a:lvl5pPr marL="1828800" indent="0">
-              <a:buNone/>
-              <a:defRPr sz="1000"/>
+            <a:lvl5pPr marL="1554480" indent="0">
+              <a:buNone/>
+              <a:defRPr sz="850"/>
             </a:lvl5pPr>
-            <a:lvl6pPr marL="2286000" indent="0">
-              <a:buNone/>
-              <a:defRPr sz="1000"/>
+            <a:lvl6pPr marL="1943100" indent="0">
+              <a:buNone/>
+              <a:defRPr sz="850"/>
             </a:lvl6pPr>
-            <a:lvl7pPr marL="2743200" indent="0">
-              <a:buNone/>
-              <a:defRPr sz="1000"/>
+            <a:lvl7pPr marL="2331720" indent="0">
+              <a:buNone/>
+              <a:defRPr sz="850"/>
             </a:lvl7pPr>
-            <a:lvl8pPr marL="3200400" indent="0">
-              <a:buNone/>
-              <a:defRPr sz="1000"/>
+            <a:lvl8pPr marL="2720340" indent="0">
+              <a:buNone/>
+              <a:defRPr sz="850"/>
             </a:lvl8pPr>
-            <a:lvl9pPr marL="3657600" indent="0">
-              <a:buNone/>
-              <a:defRPr sz="1000"/>
+            <a:lvl9pPr marL="3108960" indent="0">
+              <a:buNone/>
+              <a:defRPr sz="850"/>
             </a:lvl9pPr>
           </a:lstStyle>
           <a:p>
@@ -2092,7 +2098,7 @@
           <a:p>
             <a:fld id="{B402E754-5122-204E-A4B6-A88246939875}" type="datetimeFigureOut">
               <a:rPr lang="en-US" smtClean="0"/>
-              <a:t>8/24/20</a:t>
+              <a:t>8/25/20</a:t>
             </a:fld>
             <a:endParaRPr lang="en-US"/>
           </a:p>
@@ -2143,7 +2149,7 @@
     </p:spTree>
     <p:extLst>
       <p:ext uri="{BB962C8B-B14F-4D97-AF65-F5344CB8AC3E}">
-        <p14:creationId xmlns:p14="http://schemas.microsoft.com/office/powerpoint/2010/main" val="2518253523"/>
+        <p14:creationId xmlns:p14="http://schemas.microsoft.com/office/powerpoint/2010/main" val="531089490"/>
       </p:ext>
     </p:extLst>
   </p:cSld>
@@ -2182,15 +2188,15 @@
         </p:nvSpPr>
         <p:spPr>
           <a:xfrm>
-            <a:off x="629841" y="457200"/>
-            <a:ext cx="2949178" cy="1600200"/>
+            <a:off x="535365" y="609600"/>
+            <a:ext cx="2506801" cy="2133600"/>
           </a:xfrm>
         </p:spPr>
         <p:txBody>
           <a:bodyPr anchor="b"/>
           <a:lstStyle>
             <a:lvl1pPr>
-              <a:defRPr sz="3200"/>
+              <a:defRPr sz="2720"/>
             </a:lvl1pPr>
           </a:lstStyle>
           <a:p>
@@ -2214,8 +2220,8 @@
         </p:nvSpPr>
         <p:spPr>
           <a:xfrm>
-            <a:off x="3887391" y="987426"/>
-            <a:ext cx="4629150" cy="4873625"/>
+            <a:off x="3304282" y="1316569"/>
+            <a:ext cx="3934778" cy="6498167"/>
           </a:xfrm>
         </p:spPr>
         <p:txBody>
@@ -2223,39 +2229,39 @@
           <a:lstStyle>
             <a:lvl1pPr marL="0" indent="0">
               <a:buNone/>
-              <a:defRPr sz="3200"/>
+              <a:defRPr sz="2720"/>
             </a:lvl1pPr>
-            <a:lvl2pPr marL="457200" indent="0">
-              <a:buNone/>
-              <a:defRPr sz="2800"/>
+            <a:lvl2pPr marL="388620" indent="0">
+              <a:buNone/>
+              <a:defRPr sz="2380"/>
             </a:lvl2pPr>
-            <a:lvl3pPr marL="914400" indent="0">
-              <a:buNone/>
-              <a:defRPr sz="2400"/>
+            <a:lvl3pPr marL="777240" indent="0">
+              <a:buNone/>
+              <a:defRPr sz="2040"/>
             </a:lvl3pPr>
-            <a:lvl4pPr marL="1371600" indent="0">
-              <a:buNone/>
-              <a:defRPr sz="2000"/>
+            <a:lvl4pPr marL="1165860" indent="0">
+              <a:buNone/>
+              <a:defRPr sz="1700"/>
             </a:lvl4pPr>
-            <a:lvl5pPr marL="1828800" indent="0">
-              <a:buNone/>
-              <a:defRPr sz="2000"/>
+            <a:lvl5pPr marL="1554480" indent="0">
+              <a:buNone/>
+              <a:defRPr sz="1700"/>
             </a:lvl5pPr>
-            <a:lvl6pPr marL="2286000" indent="0">
-              <a:buNone/>
-              <a:defRPr sz="2000"/>
+            <a:lvl6pPr marL="1943100" indent="0">
+              <a:buNone/>
+              <a:defRPr sz="1700"/>
             </a:lvl6pPr>
-            <a:lvl7pPr marL="2743200" indent="0">
-              <a:buNone/>
-              <a:defRPr sz="2000"/>
+            <a:lvl7pPr marL="2331720" indent="0">
+              <a:buNone/>
+              <a:defRPr sz="1700"/>
             </a:lvl7pPr>
-            <a:lvl8pPr marL="3200400" indent="0">
-              <a:buNone/>
-              <a:defRPr sz="2000"/>
+            <a:lvl8pPr marL="2720340" indent="0">
+              <a:buNone/>
+              <a:defRPr sz="1700"/>
             </a:lvl8pPr>
-            <a:lvl9pPr marL="3657600" indent="0">
-              <a:buNone/>
-              <a:defRPr sz="2000"/>
+            <a:lvl9pPr marL="3108960" indent="0">
+              <a:buNone/>
+              <a:defRPr sz="1700"/>
             </a:lvl9pPr>
           </a:lstStyle>
           <a:p>
@@ -2279,8 +2285,8 @@
         </p:nvSpPr>
         <p:spPr>
           <a:xfrm>
-            <a:off x="629841" y="2057400"/>
-            <a:ext cx="2949178" cy="3811588"/>
+            <a:off x="535365" y="2743200"/>
+            <a:ext cx="2506801" cy="5082117"/>
           </a:xfrm>
         </p:spPr>
         <p:txBody>
@@ -2288,39 +2294,39 @@
           <a:lstStyle>
             <a:lvl1pPr marL="0" indent="0">
               <a:buNone/>
-              <a:defRPr sz="1600"/>
+              <a:defRPr sz="1360"/>
             </a:lvl1pPr>
-            <a:lvl2pPr marL="457200" indent="0">
-              <a:buNone/>
-              <a:defRPr sz="1400"/>
+            <a:lvl2pPr marL="388620" indent="0">
+              <a:buNone/>
+              <a:defRPr sz="1190"/>
             </a:lvl2pPr>
-            <a:lvl3pPr marL="914400" indent="0">
-              <a:buNone/>
-              <a:defRPr sz="1200"/>
+            <a:lvl3pPr marL="777240" indent="0">
+              <a:buNone/>
+              <a:defRPr sz="1020"/>
             </a:lvl3pPr>
-            <a:lvl4pPr marL="1371600" indent="0">
-              <a:buNone/>
-              <a:defRPr sz="1000"/>
+            <a:lvl4pPr marL="1165860" indent="0">
+              <a:buNone/>
+              <a:defRPr sz="850"/>
             </a:lvl4pPr>
-            <a:lvl5pPr marL="1828800" indent="0">
-              <a:buNone/>
-              <a:defRPr sz="1000"/>
+            <a:lvl5pPr marL="1554480" indent="0">
+              <a:buNone/>
+              <a:defRPr sz="850"/>
             </a:lvl5pPr>
-            <a:lvl6pPr marL="2286000" indent="0">
-              <a:buNone/>
-              <a:defRPr sz="1000"/>
+            <a:lvl6pPr marL="1943100" indent="0">
+              <a:buNone/>
+              <a:defRPr sz="850"/>
             </a:lvl6pPr>
-            <a:lvl7pPr marL="2743200" indent="0">
-              <a:buNone/>
-              <a:defRPr sz="1000"/>
+            <a:lvl7pPr marL="2331720" indent="0">
+              <a:buNone/>
+              <a:defRPr sz="850"/>
             </a:lvl7pPr>
-            <a:lvl8pPr marL="3200400" indent="0">
-              <a:buNone/>
-              <a:defRPr sz="1000"/>
+            <a:lvl8pPr marL="2720340" indent="0">
+              <a:buNone/>
+              <a:defRPr sz="850"/>
             </a:lvl8pPr>
-            <a:lvl9pPr marL="3657600" indent="0">
-              <a:buNone/>
-              <a:defRPr sz="1000"/>
+            <a:lvl9pPr marL="3108960" indent="0">
+              <a:buNone/>
+              <a:defRPr sz="850"/>
             </a:lvl9pPr>
           </a:lstStyle>
           <a:p>
@@ -2349,7 +2355,7 @@
           <a:p>
             <a:fld id="{B402E754-5122-204E-A4B6-A88246939875}" type="datetimeFigureOut">
               <a:rPr lang="en-US" smtClean="0"/>
-              <a:t>8/24/20</a:t>
+              <a:t>8/25/20</a:t>
             </a:fld>
             <a:endParaRPr lang="en-US"/>
           </a:p>
@@ -2400,7 +2406,7 @@
     </p:spTree>
     <p:extLst>
       <p:ext uri="{BB962C8B-B14F-4D97-AF65-F5344CB8AC3E}">
-        <p14:creationId xmlns:p14="http://schemas.microsoft.com/office/powerpoint/2010/main" val="3973364607"/>
+        <p14:creationId xmlns:p14="http://schemas.microsoft.com/office/powerpoint/2010/main" val="3540841549"/>
       </p:ext>
     </p:extLst>
   </p:cSld>
@@ -2444,8 +2450,8 @@
         </p:nvSpPr>
         <p:spPr>
           <a:xfrm>
-            <a:off x="628650" y="365126"/>
-            <a:ext cx="7886700" cy="1325563"/>
+            <a:off x="534353" y="486836"/>
+            <a:ext cx="6703695" cy="1767417"/>
           </a:xfrm>
           <a:prstGeom prst="rect">
             <a:avLst/>
@@ -2477,8 +2483,8 @@
         </p:nvSpPr>
         <p:spPr>
           <a:xfrm>
-            <a:off x="628650" y="1825625"/>
-            <a:ext cx="7886700" cy="4351338"/>
+            <a:off x="534353" y="2434167"/>
+            <a:ext cx="6703695" cy="5801784"/>
           </a:xfrm>
           <a:prstGeom prst="rect">
             <a:avLst/>
@@ -2539,8 +2545,8 @@
         </p:nvSpPr>
         <p:spPr>
           <a:xfrm>
-            <a:off x="628650" y="6356351"/>
-            <a:ext cx="2057400" cy="365125"/>
+            <a:off x="534353" y="8475136"/>
+            <a:ext cx="1748790" cy="486833"/>
           </a:xfrm>
           <a:prstGeom prst="rect">
             <a:avLst/>
@@ -2550,7 +2556,7 @@
           <a:bodyPr vert="horz" lIns="91440" tIns="45720" rIns="91440" bIns="45720" rtlCol="0" anchor="ctr"/>
           <a:lstStyle>
             <a:lvl1pPr algn="l">
-              <a:defRPr sz="1200">
+              <a:defRPr sz="1020">
                 <a:solidFill>
                   <a:schemeClr val="tx1">
                     <a:tint val="75000"/>
@@ -2562,7 +2568,7 @@
           <a:p>
             <a:fld id="{B402E754-5122-204E-A4B6-A88246939875}" type="datetimeFigureOut">
               <a:rPr lang="en-US" smtClean="0"/>
-              <a:t>8/24/20</a:t>
+              <a:t>8/25/20</a:t>
             </a:fld>
             <a:endParaRPr lang="en-US"/>
           </a:p>
@@ -2580,8 +2586,8 @@
         </p:nvSpPr>
         <p:spPr>
           <a:xfrm>
-            <a:off x="3028950" y="6356351"/>
-            <a:ext cx="3086100" cy="365125"/>
+            <a:off x="2574608" y="8475136"/>
+            <a:ext cx="2623185" cy="486833"/>
           </a:xfrm>
           <a:prstGeom prst="rect">
             <a:avLst/>
@@ -2591,7 +2597,7 @@
           <a:bodyPr vert="horz" lIns="91440" tIns="45720" rIns="91440" bIns="45720" rtlCol="0" anchor="ctr"/>
           <a:lstStyle>
             <a:lvl1pPr algn="ctr">
-              <a:defRPr sz="1200">
+              <a:defRPr sz="1020">
                 <a:solidFill>
                   <a:schemeClr val="tx1">
                     <a:tint val="75000"/>
@@ -2617,8 +2623,8 @@
         </p:nvSpPr>
         <p:spPr>
           <a:xfrm>
-            <a:off x="6457950" y="6356351"/>
-            <a:ext cx="2057400" cy="365125"/>
+            <a:off x="5489258" y="8475136"/>
+            <a:ext cx="1748790" cy="486833"/>
           </a:xfrm>
           <a:prstGeom prst="rect">
             <a:avLst/>
@@ -2628,7 +2634,7 @@
           <a:bodyPr vert="horz" lIns="91440" tIns="45720" rIns="91440" bIns="45720" rtlCol="0" anchor="ctr"/>
           <a:lstStyle>
             <a:lvl1pPr algn="r">
-              <a:defRPr sz="1200">
+              <a:defRPr sz="1020">
                 <a:solidFill>
                   <a:schemeClr val="tx1">
                     <a:tint val="75000"/>
@@ -2649,27 +2655,27 @@
     </p:spTree>
     <p:extLst>
       <p:ext uri="{BB962C8B-B14F-4D97-AF65-F5344CB8AC3E}">
-        <p14:creationId xmlns:p14="http://schemas.microsoft.com/office/powerpoint/2010/main" val="57028800"/>
+        <p14:creationId xmlns:p14="http://schemas.microsoft.com/office/powerpoint/2010/main" val="1449687724"/>
       </p:ext>
     </p:extLst>
   </p:cSld>
   <p:clrMap bg1="lt1" tx1="dk1" bg2="lt2" tx2="dk2" accent1="accent1" accent2="accent2" accent3="accent3" accent4="accent4" accent5="accent5" accent6="accent6" hlink="hlink" folHlink="folHlink"/>
   <p:sldLayoutIdLst>
-    <p:sldLayoutId id="2147483661" r:id="rId1"/>
-    <p:sldLayoutId id="2147483662" r:id="rId2"/>
-    <p:sldLayoutId id="2147483663" r:id="rId3"/>
-    <p:sldLayoutId id="2147483664" r:id="rId4"/>
-    <p:sldLayoutId id="2147483665" r:id="rId5"/>
-    <p:sldLayoutId id="2147483666" r:id="rId6"/>
-    <p:sldLayoutId id="2147483667" r:id="rId7"/>
-    <p:sldLayoutId id="2147483668" r:id="rId8"/>
-    <p:sldLayoutId id="2147483669" r:id="rId9"/>
-    <p:sldLayoutId id="2147483670" r:id="rId10"/>
-    <p:sldLayoutId id="2147483671" r:id="rId11"/>
+    <p:sldLayoutId id="2147483721" r:id="rId1"/>
+    <p:sldLayoutId id="2147483722" r:id="rId2"/>
+    <p:sldLayoutId id="2147483723" r:id="rId3"/>
+    <p:sldLayoutId id="2147483724" r:id="rId4"/>
+    <p:sldLayoutId id="2147483725" r:id="rId5"/>
+    <p:sldLayoutId id="2147483726" r:id="rId6"/>
+    <p:sldLayoutId id="2147483727" r:id="rId7"/>
+    <p:sldLayoutId id="2147483728" r:id="rId8"/>
+    <p:sldLayoutId id="2147483729" r:id="rId9"/>
+    <p:sldLayoutId id="2147483730" r:id="rId10"/>
+    <p:sldLayoutId id="2147483731" r:id="rId11"/>
   </p:sldLayoutIdLst>
   <p:txStyles>
     <p:titleStyle>
-      <a:lvl1pPr algn="l" defTabSz="914400" rtl="0" eaLnBrk="1" latinLnBrk="0" hangingPunct="1">
+      <a:lvl1pPr algn="l" defTabSz="777240" rtl="0" eaLnBrk="1" latinLnBrk="0" hangingPunct="1">
         <a:lnSpc>
           <a:spcPct val="90000"/>
         </a:lnSpc>
@@ -2677,7 +2683,7 @@
           <a:spcPct val="0"/>
         </a:spcBef>
         <a:buNone/>
-        <a:defRPr sz="4400" kern="1200">
+        <a:defRPr sz="3740" kern="1200">
           <a:solidFill>
             <a:schemeClr val="tx1"/>
           </a:solidFill>
@@ -2688,16 +2694,16 @@
       </a:lvl1pPr>
     </p:titleStyle>
     <p:bodyStyle>
-      <a:lvl1pPr marL="228600" indent="-228600" algn="l" defTabSz="914400" rtl="0" eaLnBrk="1" latinLnBrk="0" hangingPunct="1">
+      <a:lvl1pPr marL="194310" indent="-194310" algn="l" defTabSz="777240" rtl="0" eaLnBrk="1" latinLnBrk="0" hangingPunct="1">
         <a:lnSpc>
           <a:spcPct val="90000"/>
         </a:lnSpc>
         <a:spcBef>
-          <a:spcPts val="1000"/>
+          <a:spcPts val="850"/>
         </a:spcBef>
         <a:buFont typeface="Arial" panose="020B0604020202020204" pitchFamily="34" charset="0"/>
         <a:buChar char="•"/>
-        <a:defRPr sz="2800" kern="1200">
+        <a:defRPr sz="2380" kern="1200">
           <a:solidFill>
             <a:schemeClr val="tx1"/>
           </a:solidFill>
@@ -2706,16 +2712,16 @@
           <a:cs typeface="+mn-cs"/>
         </a:defRPr>
       </a:lvl1pPr>
-      <a:lvl2pPr marL="685800" indent="-228600" algn="l" defTabSz="914400" rtl="0" eaLnBrk="1" latinLnBrk="0" hangingPunct="1">
+      <a:lvl2pPr marL="582930" indent="-194310" algn="l" defTabSz="777240" rtl="0" eaLnBrk="1" latinLnBrk="0" hangingPunct="1">
         <a:lnSpc>
           <a:spcPct val="90000"/>
         </a:lnSpc>
         <a:spcBef>
-          <a:spcPts val="500"/>
+          <a:spcPts val="425"/>
         </a:spcBef>
         <a:buFont typeface="Arial" panose="020B0604020202020204" pitchFamily="34" charset="0"/>
         <a:buChar char="•"/>
-        <a:defRPr sz="2400" kern="1200">
+        <a:defRPr sz="2040" kern="1200">
           <a:solidFill>
             <a:schemeClr val="tx1"/>
           </a:solidFill>
@@ -2724,16 +2730,16 @@
           <a:cs typeface="+mn-cs"/>
         </a:defRPr>
       </a:lvl2pPr>
-      <a:lvl3pPr marL="1143000" indent="-228600" algn="l" defTabSz="914400" rtl="0" eaLnBrk="1" latinLnBrk="0" hangingPunct="1">
+      <a:lvl3pPr marL="971550" indent="-194310" algn="l" defTabSz="777240" rtl="0" eaLnBrk="1" latinLnBrk="0" hangingPunct="1">
         <a:lnSpc>
           <a:spcPct val="90000"/>
         </a:lnSpc>
         <a:spcBef>
-          <a:spcPts val="500"/>
+          <a:spcPts val="425"/>
         </a:spcBef>
         <a:buFont typeface="Arial" panose="020B0604020202020204" pitchFamily="34" charset="0"/>
         <a:buChar char="•"/>
-        <a:defRPr sz="2000" kern="1200">
+        <a:defRPr sz="1700" kern="1200">
           <a:solidFill>
             <a:schemeClr val="tx1"/>
           </a:solidFill>
@@ -2742,16 +2748,16 @@
           <a:cs typeface="+mn-cs"/>
         </a:defRPr>
       </a:lvl3pPr>
-      <a:lvl4pPr marL="1600200" indent="-228600" algn="l" defTabSz="914400" rtl="0" eaLnBrk="1" latinLnBrk="0" hangingPunct="1">
+      <a:lvl4pPr marL="1360170" indent="-194310" algn="l" defTabSz="777240" rtl="0" eaLnBrk="1" latinLnBrk="0" hangingPunct="1">
         <a:lnSpc>
           <a:spcPct val="90000"/>
         </a:lnSpc>
         <a:spcBef>
-          <a:spcPts val="500"/>
+          <a:spcPts val="425"/>
         </a:spcBef>
         <a:buFont typeface="Arial" panose="020B0604020202020204" pitchFamily="34" charset="0"/>
         <a:buChar char="•"/>
-        <a:defRPr sz="1800" kern="1200">
+        <a:defRPr sz="1530" kern="1200">
           <a:solidFill>
             <a:schemeClr val="tx1"/>
           </a:solidFill>
@@ -2760,16 +2766,16 @@
           <a:cs typeface="+mn-cs"/>
         </a:defRPr>
       </a:lvl4pPr>
-      <a:lvl5pPr marL="2057400" indent="-228600" algn="l" defTabSz="914400" rtl="0" eaLnBrk="1" latinLnBrk="0" hangingPunct="1">
+      <a:lvl5pPr marL="1748790" indent="-194310" algn="l" defTabSz="777240" rtl="0" eaLnBrk="1" latinLnBrk="0" hangingPunct="1">
         <a:lnSpc>
           <a:spcPct val="90000"/>
         </a:lnSpc>
         <a:spcBef>
-          <a:spcPts val="500"/>
+          <a:spcPts val="425"/>
         </a:spcBef>
         <a:buFont typeface="Arial" panose="020B0604020202020204" pitchFamily="34" charset="0"/>
         <a:buChar char="•"/>
-        <a:defRPr sz="1800" kern="1200">
+        <a:defRPr sz="1530" kern="1200">
           <a:solidFill>
             <a:schemeClr val="tx1"/>
           </a:solidFill>
@@ -2778,16 +2784,16 @@
           <a:cs typeface="+mn-cs"/>
         </a:defRPr>
       </a:lvl5pPr>
-      <a:lvl6pPr marL="2514600" indent="-228600" algn="l" defTabSz="914400" rtl="0" eaLnBrk="1" latinLnBrk="0" hangingPunct="1">
+      <a:lvl6pPr marL="2137410" indent="-194310" algn="l" defTabSz="777240" rtl="0" eaLnBrk="1" latinLnBrk="0" hangingPunct="1">
         <a:lnSpc>
           <a:spcPct val="90000"/>
         </a:lnSpc>
         <a:spcBef>
-          <a:spcPts val="500"/>
+          <a:spcPts val="425"/>
         </a:spcBef>
         <a:buFont typeface="Arial" panose="020B0604020202020204" pitchFamily="34" charset="0"/>
         <a:buChar char="•"/>
-        <a:defRPr sz="1800" kern="1200">
+        <a:defRPr sz="1530" kern="1200">
           <a:solidFill>
             <a:schemeClr val="tx1"/>
           </a:solidFill>
@@ -2796,16 +2802,16 @@
           <a:cs typeface="+mn-cs"/>
         </a:defRPr>
       </a:lvl6pPr>
-      <a:lvl7pPr marL="2971800" indent="-228600" algn="l" defTabSz="914400" rtl="0" eaLnBrk="1" latinLnBrk="0" hangingPunct="1">
+      <a:lvl7pPr marL="2526030" indent="-194310" algn="l" defTabSz="777240" rtl="0" eaLnBrk="1" latinLnBrk="0" hangingPunct="1">
         <a:lnSpc>
           <a:spcPct val="90000"/>
         </a:lnSpc>
         <a:spcBef>
-          <a:spcPts val="500"/>
+          <a:spcPts val="425"/>
         </a:spcBef>
         <a:buFont typeface="Arial" panose="020B0604020202020204" pitchFamily="34" charset="0"/>
         <a:buChar char="•"/>
-        <a:defRPr sz="1800" kern="1200">
+        <a:defRPr sz="1530" kern="1200">
           <a:solidFill>
             <a:schemeClr val="tx1"/>
           </a:solidFill>
@@ -2814,16 +2820,16 @@
           <a:cs typeface="+mn-cs"/>
         </a:defRPr>
       </a:lvl7pPr>
-      <a:lvl8pPr marL="3429000" indent="-228600" algn="l" defTabSz="914400" rtl="0" eaLnBrk="1" latinLnBrk="0" hangingPunct="1">
+      <a:lvl8pPr marL="2914650" indent="-194310" algn="l" defTabSz="777240" rtl="0" eaLnBrk="1" latinLnBrk="0" hangingPunct="1">
         <a:lnSpc>
           <a:spcPct val="90000"/>
         </a:lnSpc>
         <a:spcBef>
-          <a:spcPts val="500"/>
+          <a:spcPts val="425"/>
         </a:spcBef>
         <a:buFont typeface="Arial" panose="020B0604020202020204" pitchFamily="34" charset="0"/>
         <a:buChar char="•"/>
-        <a:defRPr sz="1800" kern="1200">
+        <a:defRPr sz="1530" kern="1200">
           <a:solidFill>
             <a:schemeClr val="tx1"/>
           </a:solidFill>
@@ -2832,16 +2838,16 @@
           <a:cs typeface="+mn-cs"/>
         </a:defRPr>
       </a:lvl8pPr>
-      <a:lvl9pPr marL="3886200" indent="-228600" algn="l" defTabSz="914400" rtl="0" eaLnBrk="1" latinLnBrk="0" hangingPunct="1">
+      <a:lvl9pPr marL="3303270" indent="-194310" algn="l" defTabSz="777240" rtl="0" eaLnBrk="1" latinLnBrk="0" hangingPunct="1">
         <a:lnSpc>
           <a:spcPct val="90000"/>
         </a:lnSpc>
         <a:spcBef>
-          <a:spcPts val="500"/>
+          <a:spcPts val="425"/>
         </a:spcBef>
         <a:buFont typeface="Arial" panose="020B0604020202020204" pitchFamily="34" charset="0"/>
         <a:buChar char="•"/>
-        <a:defRPr sz="1800" kern="1200">
+        <a:defRPr sz="1530" kern="1200">
           <a:solidFill>
             <a:schemeClr val="tx1"/>
           </a:solidFill>
@@ -2855,8 +2861,8 @@
       <a:defPPr>
         <a:defRPr lang="en-US"/>
       </a:defPPr>
-      <a:lvl1pPr marL="0" algn="l" defTabSz="914400" rtl="0" eaLnBrk="1" latinLnBrk="0" hangingPunct="1">
-        <a:defRPr sz="1800" kern="1200">
+      <a:lvl1pPr marL="0" algn="l" defTabSz="777240" rtl="0" eaLnBrk="1" latinLnBrk="0" hangingPunct="1">
+        <a:defRPr sz="1530" kern="1200">
           <a:solidFill>
             <a:schemeClr val="tx1"/>
           </a:solidFill>
@@ -2865,8 +2871,8 @@
           <a:cs typeface="+mn-cs"/>
         </a:defRPr>
       </a:lvl1pPr>
-      <a:lvl2pPr marL="457200" algn="l" defTabSz="914400" rtl="0" eaLnBrk="1" latinLnBrk="0" hangingPunct="1">
-        <a:defRPr sz="1800" kern="1200">
+      <a:lvl2pPr marL="388620" algn="l" defTabSz="777240" rtl="0" eaLnBrk="1" latinLnBrk="0" hangingPunct="1">
+        <a:defRPr sz="1530" kern="1200">
           <a:solidFill>
             <a:schemeClr val="tx1"/>
           </a:solidFill>
@@ -2875,8 +2881,8 @@
           <a:cs typeface="+mn-cs"/>
         </a:defRPr>
       </a:lvl2pPr>
-      <a:lvl3pPr marL="914400" algn="l" defTabSz="914400" rtl="0" eaLnBrk="1" latinLnBrk="0" hangingPunct="1">
-        <a:defRPr sz="1800" kern="1200">
+      <a:lvl3pPr marL="777240" algn="l" defTabSz="777240" rtl="0" eaLnBrk="1" latinLnBrk="0" hangingPunct="1">
+        <a:defRPr sz="1530" kern="1200">
           <a:solidFill>
             <a:schemeClr val="tx1"/>
           </a:solidFill>
@@ -2885,8 +2891,8 @@
           <a:cs typeface="+mn-cs"/>
         </a:defRPr>
       </a:lvl3pPr>
-      <a:lvl4pPr marL="1371600" algn="l" defTabSz="914400" rtl="0" eaLnBrk="1" latinLnBrk="0" hangingPunct="1">
-        <a:defRPr sz="1800" kern="1200">
+      <a:lvl4pPr marL="1165860" algn="l" defTabSz="777240" rtl="0" eaLnBrk="1" latinLnBrk="0" hangingPunct="1">
+        <a:defRPr sz="1530" kern="1200">
           <a:solidFill>
             <a:schemeClr val="tx1"/>
           </a:solidFill>
@@ -2895,8 +2901,8 @@
           <a:cs typeface="+mn-cs"/>
         </a:defRPr>
       </a:lvl4pPr>
-      <a:lvl5pPr marL="1828800" algn="l" defTabSz="914400" rtl="0" eaLnBrk="1" latinLnBrk="0" hangingPunct="1">
-        <a:defRPr sz="1800" kern="1200">
+      <a:lvl5pPr marL="1554480" algn="l" defTabSz="777240" rtl="0" eaLnBrk="1" latinLnBrk="0" hangingPunct="1">
+        <a:defRPr sz="1530" kern="1200">
           <a:solidFill>
             <a:schemeClr val="tx1"/>
           </a:solidFill>
@@ -2905,8 +2911,8 @@
           <a:cs typeface="+mn-cs"/>
         </a:defRPr>
       </a:lvl5pPr>
-      <a:lvl6pPr marL="2286000" algn="l" defTabSz="914400" rtl="0" eaLnBrk="1" latinLnBrk="0" hangingPunct="1">
-        <a:defRPr sz="1800" kern="1200">
+      <a:lvl6pPr marL="1943100" algn="l" defTabSz="777240" rtl="0" eaLnBrk="1" latinLnBrk="0" hangingPunct="1">
+        <a:defRPr sz="1530" kern="1200">
           <a:solidFill>
             <a:schemeClr val="tx1"/>
           </a:solidFill>
@@ -2915,8 +2921,8 @@
           <a:cs typeface="+mn-cs"/>
         </a:defRPr>
       </a:lvl6pPr>
-      <a:lvl7pPr marL="2743200" algn="l" defTabSz="914400" rtl="0" eaLnBrk="1" latinLnBrk="0" hangingPunct="1">
-        <a:defRPr sz="1800" kern="1200">
+      <a:lvl7pPr marL="2331720" algn="l" defTabSz="777240" rtl="0" eaLnBrk="1" latinLnBrk="0" hangingPunct="1">
+        <a:defRPr sz="1530" kern="1200">
           <a:solidFill>
             <a:schemeClr val="tx1"/>
           </a:solidFill>
@@ -2925,8 +2931,8 @@
           <a:cs typeface="+mn-cs"/>
         </a:defRPr>
       </a:lvl7pPr>
-      <a:lvl8pPr marL="3200400" algn="l" defTabSz="914400" rtl="0" eaLnBrk="1" latinLnBrk="0" hangingPunct="1">
-        <a:defRPr sz="1800" kern="1200">
+      <a:lvl8pPr marL="2720340" algn="l" defTabSz="777240" rtl="0" eaLnBrk="1" latinLnBrk="0" hangingPunct="1">
+        <a:defRPr sz="1530" kern="1200">
           <a:solidFill>
             <a:schemeClr val="tx1"/>
           </a:solidFill>
@@ -2935,8 +2941,8 @@
           <a:cs typeface="+mn-cs"/>
         </a:defRPr>
       </a:lvl8pPr>
-      <a:lvl9pPr marL="3657600" algn="l" defTabSz="914400" rtl="0" eaLnBrk="1" latinLnBrk="0" hangingPunct="1">
-        <a:defRPr sz="1800" kern="1200">
+      <a:lvl9pPr marL="3108960" algn="l" defTabSz="777240" rtl="0" eaLnBrk="1" latinLnBrk="0" hangingPunct="1">
+        <a:defRPr sz="1530" kern="1200">
           <a:solidFill>
             <a:schemeClr val="tx1"/>
           </a:solidFill>
@@ -3069,8 +3075,8 @@
         </p:blipFill>
         <p:spPr>
           <a:xfrm>
-            <a:off x="1439779" y="0"/>
-            <a:ext cx="6264442" cy="6858000"/>
+            <a:off x="-2378242" y="-2286000"/>
+            <a:ext cx="12528884" cy="13716000"/>
           </a:xfrm>
           <a:prstGeom prst="rect">
             <a:avLst/>
@@ -3091,8 +3097,8 @@
         </p:nvSpPr>
         <p:spPr>
           <a:xfrm>
-            <a:off x="1698171" y="3973286"/>
-            <a:ext cx="1981200" cy="1015663"/>
+            <a:off x="-1861458" y="5660573"/>
+            <a:ext cx="3962400" cy="1938992"/>
           </a:xfrm>
           <a:prstGeom prst="rect">
             <a:avLst/>
@@ -3107,7 +3113,7 @@
           <a:p>
             <a:pPr algn="r"/>
             <a:r>
-              <a:rPr lang="en-US" sz="1200" dirty="0">
+              <a:rPr lang="en-US" sz="2400" dirty="0">
                 <a:latin typeface="Arial" panose="020B0604020202020204" pitchFamily="34" charset="0"/>
                 <a:cs typeface="Arial" panose="020B0604020202020204" pitchFamily="34" charset="0"/>
               </a:rPr>
@@ -3130,8 +3136,8 @@
         </p:nvSpPr>
         <p:spPr>
           <a:xfrm>
-            <a:off x="3439886" y="3385457"/>
-            <a:ext cx="239485" cy="587829"/>
+            <a:off x="1621973" y="4484915"/>
+            <a:ext cx="478970" cy="1175658"/>
           </a:xfrm>
           <a:custGeom>
             <a:avLst/>
@@ -3204,7 +3210,7 @@
           <a:lstStyle/>
           <a:p>
             <a:pPr algn="ctr"/>
-            <a:endParaRPr lang="en-US"/>
+            <a:endParaRPr lang="en-US" sz="3600"/>
           </a:p>
         </p:txBody>
       </p:sp>
@@ -3222,8 +3228,8 @@
         </p:nvSpPr>
         <p:spPr>
           <a:xfrm>
-            <a:off x="3646714" y="4037077"/>
-            <a:ext cx="631372" cy="77723"/>
+            <a:off x="2035628" y="5788155"/>
+            <a:ext cx="1262744" cy="155446"/>
           </a:xfrm>
           <a:custGeom>
             <a:avLst/>
@@ -3296,7 +3302,7 @@
           <a:lstStyle/>
           <a:p>
             <a:pPr algn="ctr"/>
-            <a:endParaRPr lang="en-US"/>
+            <a:endParaRPr lang="en-US" sz="3600"/>
           </a:p>
         </p:txBody>
       </p:sp>
@@ -3304,6 +3310,425 @@
     <p:extLst>
       <p:ext uri="{BB962C8B-B14F-4D97-AF65-F5344CB8AC3E}">
         <p14:creationId xmlns:p14="http://schemas.microsoft.com/office/powerpoint/2010/main" val="4240039760"/>
+      </p:ext>
+    </p:extLst>
+  </p:cSld>
+  <p:clrMapOvr>
+    <a:masterClrMapping/>
+  </p:clrMapOvr>
+</p:sld>
+</file>
+
+<file path=ppt/slides/slide3.xml><?xml version="1.0" encoding="utf-8"?>
+<p:sld xmlns:a="http://schemas.openxmlformats.org/drawingml/2006/main" xmlns:r="http://schemas.openxmlformats.org/officeDocument/2006/relationships" xmlns:p="http://schemas.openxmlformats.org/presentationml/2006/main">
+  <p:cSld>
+    <p:spTree>
+      <p:nvGrpSpPr>
+        <p:cNvPr id="1" name=""/>
+        <p:cNvGrpSpPr/>
+        <p:nvPr/>
+      </p:nvGrpSpPr>
+      <p:grpSpPr>
+        <a:xfrm>
+          <a:off x="0" y="0"/>
+          <a:ext cx="0" cy="0"/>
+          <a:chOff x="0" y="0"/>
+          <a:chExt cx="0" cy="0"/>
+        </a:xfrm>
+      </p:grpSpPr>
+      <p:pic>
+        <p:nvPicPr>
+          <p:cNvPr id="11" name="Picture 10" descr="A close up of a map&#10;&#10;Description automatically generated">
+            <a:extLst>
+              <a:ext uri="{FF2B5EF4-FFF2-40B4-BE49-F238E27FC236}">
+                <a16:creationId xmlns:a16="http://schemas.microsoft.com/office/drawing/2014/main" id="{39270844-5F49-A44D-B186-C3DF143485AE}"/>
+              </a:ext>
+            </a:extLst>
+          </p:cNvPr>
+          <p:cNvPicPr>
+            <a:picLocks noChangeAspect="1"/>
+          </p:cNvPicPr>
+          <p:nvPr/>
+        </p:nvPicPr>
+        <p:blipFill>
+          <a:blip r:embed="rId2"/>
+          <a:stretch>
+            <a:fillRect/>
+          </a:stretch>
+        </p:blipFill>
+        <p:spPr>
+          <a:xfrm>
+            <a:off x="634252" y="923334"/>
+            <a:ext cx="6305837" cy="6859403"/>
+          </a:xfrm>
+          <a:prstGeom prst="rect">
+            <a:avLst/>
+          </a:prstGeom>
+        </p:spPr>
+      </p:pic>
+      <p:sp>
+        <p:nvSpPr>
+          <p:cNvPr id="4" name="TextBox 3">
+            <a:extLst>
+              <a:ext uri="{FF2B5EF4-FFF2-40B4-BE49-F238E27FC236}">
+                <a16:creationId xmlns:a16="http://schemas.microsoft.com/office/drawing/2014/main" id="{5580E39C-FA68-A34F-92F7-B7B66567FE12}"/>
+              </a:ext>
+            </a:extLst>
+          </p:cNvPr>
+          <p:cNvSpPr txBox="1"/>
+          <p:nvPr/>
+        </p:nvSpPr>
+        <p:spPr>
+          <a:xfrm>
+            <a:off x="634252" y="0"/>
+            <a:ext cx="6503896" cy="400110"/>
+          </a:xfrm>
+          <a:prstGeom prst="rect">
+            <a:avLst/>
+          </a:prstGeom>
+          <a:noFill/>
+        </p:spPr>
+        <p:txBody>
+          <a:bodyPr wrap="none" rtlCol="0">
+            <a:spAutoFit/>
+          </a:bodyPr>
+          <a:lstStyle/>
+          <a:p>
+            <a:r>
+              <a:rPr lang="en-US" sz="2000" b="1" dirty="0">
+                <a:latin typeface="Arial" panose="020B0604020202020204" pitchFamily="34" charset="0"/>
+                <a:cs typeface="Arial" panose="020B0604020202020204" pitchFamily="34" charset="0"/>
+              </a:rPr>
+              <a:t>Percent of Women with Unmet Contraceptive Needs</a:t>
+            </a:r>
+          </a:p>
+        </p:txBody>
+      </p:sp>
+      <p:sp>
+        <p:nvSpPr>
+          <p:cNvPr id="5" name="TextBox 4">
+            <a:extLst>
+              <a:ext uri="{FF2B5EF4-FFF2-40B4-BE49-F238E27FC236}">
+                <a16:creationId xmlns:a16="http://schemas.microsoft.com/office/drawing/2014/main" id="{F56E0AB6-54F0-4D48-9351-63D30CBDBBAE}"/>
+              </a:ext>
+            </a:extLst>
+          </p:cNvPr>
+          <p:cNvSpPr txBox="1"/>
+          <p:nvPr/>
+        </p:nvSpPr>
+        <p:spPr>
+          <a:xfrm>
+            <a:off x="634252" y="400110"/>
+            <a:ext cx="6503896" cy="523220"/>
+          </a:xfrm>
+          <a:prstGeom prst="rect">
+            <a:avLst/>
+          </a:prstGeom>
+          <a:noFill/>
+        </p:spPr>
+        <p:txBody>
+          <a:bodyPr wrap="square" rtlCol="0">
+            <a:spAutoFit/>
+          </a:bodyPr>
+          <a:lstStyle/>
+          <a:p>
+            <a:r>
+              <a:rPr lang="en-US" sz="1400" dirty="0">
+                <a:latin typeface="Arial" panose="020B0604020202020204" pitchFamily="34" charset="0"/>
+                <a:cs typeface="Arial" panose="020B0604020202020204" pitchFamily="34" charset="0"/>
+              </a:rPr>
+              <a:t>Unmet contraceptive needs can have a lasting impact on education, employment, and economic wellbeing.</a:t>
+            </a:r>
+          </a:p>
+        </p:txBody>
+      </p:sp>
+      <p:sp>
+        <p:nvSpPr>
+          <p:cNvPr id="6" name="TextBox 5">
+            <a:extLst>
+              <a:ext uri="{FF2B5EF4-FFF2-40B4-BE49-F238E27FC236}">
+                <a16:creationId xmlns:a16="http://schemas.microsoft.com/office/drawing/2014/main" id="{C89730D2-68AC-9C41-93DF-73FA8AE16191}"/>
+              </a:ext>
+            </a:extLst>
+          </p:cNvPr>
+          <p:cNvSpPr txBox="1"/>
+          <p:nvPr/>
+        </p:nvSpPr>
+        <p:spPr>
+          <a:xfrm>
+            <a:off x="634249" y="7782733"/>
+            <a:ext cx="6503896" cy="738664"/>
+          </a:xfrm>
+          <a:prstGeom prst="rect">
+            <a:avLst/>
+          </a:prstGeom>
+          <a:noFill/>
+        </p:spPr>
+        <p:txBody>
+          <a:bodyPr wrap="square" rtlCol="0">
+            <a:spAutoFit/>
+          </a:bodyPr>
+          <a:lstStyle/>
+          <a:p>
+            <a:pPr algn="r"/>
+            <a:r>
+              <a:rPr lang="en-US" sz="1400" dirty="0">
+                <a:latin typeface="Arial" panose="020B0604020202020204" pitchFamily="34" charset="0"/>
+                <a:cs typeface="Arial" panose="020B0604020202020204" pitchFamily="34" charset="0"/>
+              </a:rPr>
+              <a:t>Visualization by Alex Elfering</a:t>
+            </a:r>
+          </a:p>
+          <a:p>
+            <a:pPr algn="r"/>
+            <a:r>
+              <a:rPr lang="en-US" sz="1400" dirty="0">
+                <a:latin typeface="Arial" panose="020B0604020202020204" pitchFamily="34" charset="0"/>
+                <a:cs typeface="Arial" panose="020B0604020202020204" pitchFamily="34" charset="0"/>
+              </a:rPr>
+              <a:t>Source: Source: Guttmacher Institute, Operation Fistula</a:t>
+            </a:r>
+          </a:p>
+          <a:p>
+            <a:pPr algn="r"/>
+            <a:r>
+              <a:rPr lang="en-US" sz="1400" dirty="0">
+                <a:latin typeface="Arial" panose="020B0604020202020204" pitchFamily="34" charset="0"/>
+                <a:cs typeface="Arial" panose="020B0604020202020204" pitchFamily="34" charset="0"/>
+              </a:rPr>
+              <a:t>For more information, please visit https://</a:t>
+            </a:r>
+            <a:r>
+              <a:rPr lang="en-US" sz="1400" dirty="0" err="1">
+                <a:latin typeface="Arial" panose="020B0604020202020204" pitchFamily="34" charset="0"/>
+                <a:cs typeface="Arial" panose="020B0604020202020204" pitchFamily="34" charset="0"/>
+              </a:rPr>
+              <a:t>www.guttmacher.org</a:t>
+            </a:r>
+            <a:r>
+              <a:rPr lang="en-US" sz="1400" dirty="0">
+                <a:latin typeface="Arial" panose="020B0604020202020204" pitchFamily="34" charset="0"/>
+                <a:cs typeface="Arial" panose="020B0604020202020204" pitchFamily="34" charset="0"/>
+              </a:rPr>
+              <a:t>/</a:t>
+            </a:r>
+          </a:p>
+        </p:txBody>
+      </p:sp>
+      <p:sp>
+        <p:nvSpPr>
+          <p:cNvPr id="7" name="TextBox 6">
+            <a:extLst>
+              <a:ext uri="{FF2B5EF4-FFF2-40B4-BE49-F238E27FC236}">
+                <a16:creationId xmlns:a16="http://schemas.microsoft.com/office/drawing/2014/main" id="{54D45FBF-2909-CC4C-8E60-D2ED8C524494}"/>
+              </a:ext>
+            </a:extLst>
+          </p:cNvPr>
+          <p:cNvSpPr txBox="1"/>
+          <p:nvPr/>
+        </p:nvSpPr>
+        <p:spPr>
+          <a:xfrm>
+            <a:off x="634252" y="5062973"/>
+            <a:ext cx="2452599" cy="1169551"/>
+          </a:xfrm>
+          <a:prstGeom prst="rect">
+            <a:avLst/>
+          </a:prstGeom>
+          <a:noFill/>
+        </p:spPr>
+        <p:txBody>
+          <a:bodyPr wrap="square" rtlCol="0">
+            <a:spAutoFit/>
+          </a:bodyPr>
+          <a:lstStyle/>
+          <a:p>
+            <a:r>
+              <a:rPr lang="en-US" sz="1400" dirty="0">
+                <a:latin typeface="Arial" panose="020B0604020202020204" pitchFamily="34" charset="0"/>
+                <a:cs typeface="Arial" panose="020B0604020202020204" pitchFamily="34" charset="0"/>
+              </a:rPr>
+              <a:t>Central and Southwestern African countries have the highest rates, particularly Benin and the Dem. Republic of the Congo.</a:t>
+            </a:r>
+          </a:p>
+        </p:txBody>
+      </p:sp>
+      <p:sp>
+        <p:nvSpPr>
+          <p:cNvPr id="12" name="Freeform 11">
+            <a:extLst>
+              <a:ext uri="{FF2B5EF4-FFF2-40B4-BE49-F238E27FC236}">
+                <a16:creationId xmlns:a16="http://schemas.microsoft.com/office/drawing/2014/main" id="{49FE6170-0FFA-6E48-B84D-E56895EA6404}"/>
+              </a:ext>
+            </a:extLst>
+          </p:cNvPr>
+          <p:cNvSpPr/>
+          <p:nvPr/>
+        </p:nvSpPr>
+        <p:spPr>
+          <a:xfrm>
+            <a:off x="2705847" y="4191000"/>
+            <a:ext cx="25400" cy="914400"/>
+          </a:xfrm>
+          <a:custGeom>
+            <a:avLst/>
+            <a:gdLst>
+              <a:gd name="connsiteX0" fmla="*/ 0 w 25400"/>
+              <a:gd name="connsiteY0" fmla="*/ 914400 h 914400"/>
+              <a:gd name="connsiteX1" fmla="*/ 25400 w 25400"/>
+              <a:gd name="connsiteY1" fmla="*/ 0 h 914400"/>
+            </a:gdLst>
+            <a:ahLst/>
+            <a:cxnLst>
+              <a:cxn ang="0">
+                <a:pos x="connsiteX0" y="connsiteY0"/>
+              </a:cxn>
+              <a:cxn ang="0">
+                <a:pos x="connsiteX1" y="connsiteY1"/>
+              </a:cxn>
+            </a:cxnLst>
+            <a:rect l="l" t="t" r="r" b="b"/>
+            <a:pathLst>
+              <a:path w="25400" h="914400">
+                <a:moveTo>
+                  <a:pt x="0" y="914400"/>
+                </a:moveTo>
+                <a:lnTo>
+                  <a:pt x="25400" y="0"/>
+                </a:lnTo>
+              </a:path>
+            </a:pathLst>
+          </a:custGeom>
+          <a:noFill/>
+          <a:ln>
+            <a:solidFill>
+              <a:schemeClr val="tx1"/>
+            </a:solidFill>
+            <a:headEnd type="none" w="med" len="med"/>
+            <a:tailEnd type="arrow" w="med" len="med"/>
+          </a:ln>
+        </p:spPr>
+        <p:style>
+          <a:lnRef idx="2">
+            <a:schemeClr val="accent1">
+              <a:shade val="50000"/>
+            </a:schemeClr>
+          </a:lnRef>
+          <a:fillRef idx="1">
+            <a:schemeClr val="accent1"/>
+          </a:fillRef>
+          <a:effectRef idx="0">
+            <a:schemeClr val="accent1"/>
+          </a:effectRef>
+          <a:fontRef idx="minor">
+            <a:schemeClr val="lt1"/>
+          </a:fontRef>
+        </p:style>
+        <p:txBody>
+          <a:bodyPr rtlCol="0" anchor="ctr"/>
+          <a:lstStyle/>
+          <a:p>
+            <a:pPr algn="ctr"/>
+            <a:endParaRPr lang="en-US"/>
+          </a:p>
+        </p:txBody>
+      </p:sp>
+      <p:sp>
+        <p:nvSpPr>
+          <p:cNvPr id="13" name="Freeform 12">
+            <a:extLst>
+              <a:ext uri="{FF2B5EF4-FFF2-40B4-BE49-F238E27FC236}">
+                <a16:creationId xmlns:a16="http://schemas.microsoft.com/office/drawing/2014/main" id="{58C06F18-D823-F741-B693-F0E671822C46}"/>
+              </a:ext>
+            </a:extLst>
+          </p:cNvPr>
+          <p:cNvSpPr/>
+          <p:nvPr/>
+        </p:nvSpPr>
+        <p:spPr>
+          <a:xfrm>
+            <a:off x="2782047" y="5064224"/>
+            <a:ext cx="660400" cy="66576"/>
+          </a:xfrm>
+          <a:custGeom>
+            <a:avLst/>
+            <a:gdLst>
+              <a:gd name="connsiteX0" fmla="*/ 0 w 660400"/>
+              <a:gd name="connsiteY0" fmla="*/ 66576 h 66576"/>
+              <a:gd name="connsiteX1" fmla="*/ 355600 w 660400"/>
+              <a:gd name="connsiteY1" fmla="*/ 3076 h 66576"/>
+              <a:gd name="connsiteX2" fmla="*/ 660400 w 660400"/>
+              <a:gd name="connsiteY2" fmla="*/ 15776 h 66576"/>
+            </a:gdLst>
+            <a:ahLst/>
+            <a:cxnLst>
+              <a:cxn ang="0">
+                <a:pos x="connsiteX0" y="connsiteY0"/>
+              </a:cxn>
+              <a:cxn ang="0">
+                <a:pos x="connsiteX1" y="connsiteY1"/>
+              </a:cxn>
+              <a:cxn ang="0">
+                <a:pos x="connsiteX2" y="connsiteY2"/>
+              </a:cxn>
+            </a:cxnLst>
+            <a:rect l="l" t="t" r="r" b="b"/>
+            <a:pathLst>
+              <a:path w="660400" h="66576">
+                <a:moveTo>
+                  <a:pt x="0" y="66576"/>
+                </a:moveTo>
+                <a:cubicBezTo>
+                  <a:pt x="122766" y="39059"/>
+                  <a:pt x="245533" y="11543"/>
+                  <a:pt x="355600" y="3076"/>
+                </a:cubicBezTo>
+                <a:cubicBezTo>
+                  <a:pt x="465667" y="-5391"/>
+                  <a:pt x="563033" y="5192"/>
+                  <a:pt x="660400" y="15776"/>
+                </a:cubicBezTo>
+              </a:path>
+            </a:pathLst>
+          </a:custGeom>
+          <a:noFill/>
+          <a:ln>
+            <a:solidFill>
+              <a:schemeClr val="tx1"/>
+            </a:solidFill>
+            <a:headEnd type="none" w="med" len="med"/>
+            <a:tailEnd type="arrow" w="med" len="med"/>
+          </a:ln>
+        </p:spPr>
+        <p:style>
+          <a:lnRef idx="2">
+            <a:schemeClr val="accent1">
+              <a:shade val="50000"/>
+            </a:schemeClr>
+          </a:lnRef>
+          <a:fillRef idx="1">
+            <a:schemeClr val="accent1"/>
+          </a:fillRef>
+          <a:effectRef idx="0">
+            <a:schemeClr val="accent1"/>
+          </a:effectRef>
+          <a:fontRef idx="minor">
+            <a:schemeClr val="lt1"/>
+          </a:fontRef>
+        </p:style>
+        <p:txBody>
+          <a:bodyPr rtlCol="0" anchor="ctr"/>
+          <a:lstStyle/>
+          <a:p>
+            <a:pPr algn="ctr"/>
+            <a:endParaRPr lang="en-US"/>
+          </a:p>
+        </p:txBody>
+      </p:sp>
+    </p:spTree>
+    <p:extLst>
+      <p:ext uri="{BB962C8B-B14F-4D97-AF65-F5344CB8AC3E}">
+        <p14:creationId xmlns:p14="http://schemas.microsoft.com/office/powerpoint/2010/main" val="166901053"/>
       </p:ext>
     </p:extLst>
   </p:cSld>
